--- a/RPA with UiPath.pptx
+++ b/RPA with UiPath.pptx
@@ -7,7 +7,7 @@
   <p:sldIdLst>
     <p:sldId id="256" r:id="rId2"/>
     <p:sldId id="257" r:id="rId3"/>
-    <p:sldId id="258" r:id="rId4"/>
+    <p:sldId id="268" r:id="rId4"/>
     <p:sldId id="259" r:id="rId5"/>
     <p:sldId id="264" r:id="rId6"/>
     <p:sldId id="260" r:id="rId7"/>
@@ -349,7 +349,7 @@
           <a:p>
             <a:fld id="{CE6E6309-24E2-44CE-B11B-BC636BC44F83}" type="datetimeFigureOut">
               <a:rPr lang="en-US" smtClean="0"/>
-              <a:t>12/19/19</a:t>
+              <a:t>12/20/2019</a:t>
             </a:fld>
             <a:endParaRPr lang="en-US"/>
           </a:p>
@@ -557,7 +557,7 @@
           <a:p>
             <a:fld id="{CE6E6309-24E2-44CE-B11B-BC636BC44F83}" type="datetimeFigureOut">
               <a:rPr lang="en-US" smtClean="0"/>
-              <a:t>12/19/19</a:t>
+              <a:t>12/20/2019</a:t>
             </a:fld>
             <a:endParaRPr lang="en-US"/>
           </a:p>
@@ -813,7 +813,7 @@
           <a:p>
             <a:fld id="{CE6E6309-24E2-44CE-B11B-BC636BC44F83}" type="datetimeFigureOut">
               <a:rPr lang="en-US" smtClean="0"/>
-              <a:t>12/19/19</a:t>
+              <a:t>12/20/2019</a:t>
             </a:fld>
             <a:endParaRPr lang="en-US"/>
           </a:p>
@@ -987,7 +987,7 @@
           <a:p>
             <a:fld id="{CE6E6309-24E2-44CE-B11B-BC636BC44F83}" type="datetimeFigureOut">
               <a:rPr lang="en-US" smtClean="0"/>
-              <a:t>12/19/19</a:t>
+              <a:t>12/20/2019</a:t>
             </a:fld>
             <a:endParaRPr lang="en-US"/>
           </a:p>
@@ -1330,7 +1330,7 @@
           <a:p>
             <a:fld id="{CE6E6309-24E2-44CE-B11B-BC636BC44F83}" type="datetimeFigureOut">
               <a:rPr lang="en-US" smtClean="0"/>
-              <a:t>12/19/19</a:t>
+              <a:t>12/20/2019</a:t>
             </a:fld>
             <a:endParaRPr lang="en-US"/>
           </a:p>
@@ -1605,7 +1605,7 @@
           <a:p>
             <a:fld id="{CE6E6309-24E2-44CE-B11B-BC636BC44F83}" type="datetimeFigureOut">
               <a:rPr lang="en-US" smtClean="0"/>
-              <a:t>12/19/19</a:t>
+              <a:t>12/20/2019</a:t>
             </a:fld>
             <a:endParaRPr lang="en-US"/>
           </a:p>
@@ -1984,7 +1984,7 @@
           <a:p>
             <a:fld id="{CE6E6309-24E2-44CE-B11B-BC636BC44F83}" type="datetimeFigureOut">
               <a:rPr lang="en-US" smtClean="0"/>
-              <a:t>12/19/19</a:t>
+              <a:t>12/20/2019</a:t>
             </a:fld>
             <a:endParaRPr lang="en-US"/>
           </a:p>
@@ -2102,7 +2102,7 @@
           <a:p>
             <a:fld id="{CE6E6309-24E2-44CE-B11B-BC636BC44F83}" type="datetimeFigureOut">
               <a:rPr lang="en-US" smtClean="0"/>
-              <a:t>12/19/19</a:t>
+              <a:t>12/20/2019</a:t>
             </a:fld>
             <a:endParaRPr lang="en-US"/>
           </a:p>
@@ -2273,7 +2273,7 @@
           <a:p>
             <a:fld id="{CE6E6309-24E2-44CE-B11B-BC636BC44F83}" type="datetimeFigureOut">
               <a:rPr lang="en-US" smtClean="0"/>
-              <a:t>12/19/19</a:t>
+              <a:t>12/20/2019</a:t>
             </a:fld>
             <a:endParaRPr lang="en-US"/>
           </a:p>
@@ -2627,7 +2627,7 @@
           <a:p>
             <a:fld id="{CE6E6309-24E2-44CE-B11B-BC636BC44F83}" type="datetimeFigureOut">
               <a:rPr lang="en-US" smtClean="0"/>
-              <a:t>12/19/19</a:t>
+              <a:t>12/20/2019</a:t>
             </a:fld>
             <a:endParaRPr lang="en-US"/>
           </a:p>
@@ -3009,7 +3009,7 @@
           <a:p>
             <a:fld id="{CE6E6309-24E2-44CE-B11B-BC636BC44F83}" type="datetimeFigureOut">
               <a:rPr lang="en-US" smtClean="0"/>
-              <a:t>12/19/19</a:t>
+              <a:t>12/20/2019</a:t>
             </a:fld>
             <a:endParaRPr lang="en-US"/>
           </a:p>
@@ -3296,7 +3296,7 @@
           <a:p>
             <a:fld id="{CE6E6309-24E2-44CE-B11B-BC636BC44F83}" type="datetimeFigureOut">
               <a:rPr lang="en-US" smtClean="0"/>
-              <a:t>12/19/19</a:t>
+              <a:t>12/20/2019</a:t>
             </a:fld>
             <a:endParaRPr lang="en-US"/>
           </a:p>
@@ -4831,12 +4831,14 @@
         </p:nvSpPr>
         <p:spPr/>
         <p:txBody>
-          <a:bodyPr/>
+          <a:bodyPr>
+            <a:normAutofit fontScale="92500" lnSpcReduction="20000"/>
+          </a:bodyPr>
           <a:lstStyle/>
           <a:p>
             <a:r>
               <a:rPr lang="en-GB" dirty="0"/>
-              <a:t>In IT environment, not all the business processes are smart and intelligent. Many of them are dependent on multiple IT systems and not always talk to each other. Such mundane and repetitive tasks are time consuming and </a:t>
+              <a:t>Not all the business processes are smart and intelligent, dependent on multiple IT systems and not always talk to each other. Such mundane and repetitive tasks are time consuming and </a:t>
             </a:r>
             <a:r>
               <a:rPr lang="en-GB" dirty="0" err="1"/>
@@ -4844,7 +4846,31 @@
             </a:r>
             <a:r>
               <a:rPr lang="en-GB" dirty="0"/>
-              <a:t> intensive for human beings. With the current automation methods, it takes massive IT transformation plans and implementation processes to make a transition to it. Here comes the relevance of Robotic Process Automation (RPA). RPA holds the power to automate almost all the repetitive, mundane and rule based tasks more quickly accurately and tirelessly, compared to a human being. It uses a machine (robot) that possesses tangible integration and automation capabilities which can mimic human interactions with web applications, web sites, portals, Excel worksheets, legacy green-screen apps, and email and helps automate the tasks. RPA is economically efficient than any other automation solutions that exist currently. Implementing RPA for redundant business processes also enables human beings to shift their focus from repetitive tasks to tasks requiring emotional intelligence, reasoning, judgement and interactions with the customers.</a:t>
+              <a:t> intensive for human beings.</a:t>
+            </a:r>
+          </a:p>
+          <a:p>
+            <a:r>
+              <a:rPr lang="en-GB" dirty="0"/>
+              <a:t>With the current automation methods, it takes massive IT transformation plans and implementation processes to make a transition to it. Here comes the relevance of Robotic Process Automation (RPA). </a:t>
+            </a:r>
+          </a:p>
+          <a:p>
+            <a:r>
+              <a:rPr lang="en-GB" dirty="0"/>
+              <a:t>RPA holds the power to automate almost all the repetitive, mundane and rule based tasks more quickly accurately and tirelessly, compared to a human being. </a:t>
+            </a:r>
+          </a:p>
+          <a:p>
+            <a:r>
+              <a:rPr lang="en-GB" dirty="0"/>
+              <a:t>It uses a machine (robot) that possesses tangible integration and automation capabilities which can mimic human interactions with web applications, web sites, portals, Excel worksheets, and email and helps automate the tasks. </a:t>
+            </a:r>
+          </a:p>
+          <a:p>
+            <a:r>
+              <a:rPr lang="en-GB" dirty="0"/>
+              <a:t>RPA is economically efficient than any other automation solutions that exist currently. Implementing RPA for redundant business processes also enables human beings to shift their focus from repetitive tasks to tasks requiring emotional intelligence, reasoning, judgement and interactions with the customers.</a:t>
             </a:r>
             <a:endParaRPr lang="en-US" dirty="0"/>
           </a:p>
@@ -4853,7 +4879,7 @@
     </p:spTree>
     <p:extLst>
       <p:ext uri="{BB962C8B-B14F-4D97-AF65-F5344CB8AC3E}">
-        <p14:creationId xmlns:p14="http://schemas.microsoft.com/office/powerpoint/2010/main" val="2362408219"/>
+        <p14:creationId xmlns:p14="http://schemas.microsoft.com/office/powerpoint/2010/main" val="2037037738"/>
       </p:ext>
     </p:extLst>
   </p:cSld>
@@ -4939,6 +4965,10 @@
             </a:r>
           </a:p>
           <a:p>
+            <a:r>
+              <a:rPr lang="en-GB" dirty="0"/>
+              <a:t/>
+            </a:r>
             <a:br>
               <a:rPr lang="en-GB" dirty="0"/>
             </a:br>
@@ -5076,6 +5106,10 @@
             </a:r>
           </a:p>
           <a:p>
+            <a:r>
+              <a:rPr lang="en-GB" dirty="0"/>
+              <a:t/>
+            </a:r>
             <a:br>
               <a:rPr lang="en-GB" dirty="0"/>
             </a:br>
@@ -5089,6 +5123,10 @@
             </a:r>
           </a:p>
           <a:p>
+            <a:r>
+              <a:rPr lang="en-GB" dirty="0"/>
+              <a:t/>
+            </a:r>
             <a:br>
               <a:rPr lang="en-GB" dirty="0"/>
             </a:br>
@@ -5102,6 +5140,10 @@
             </a:r>
           </a:p>
           <a:p>
+            <a:r>
+              <a:rPr lang="en-GB" dirty="0"/>
+              <a:t/>
+            </a:r>
             <a:br>
               <a:rPr lang="en-GB" dirty="0"/>
             </a:br>
@@ -5115,6 +5157,10 @@
             </a:r>
           </a:p>
           <a:p>
+            <a:r>
+              <a:rPr lang="en-GB" dirty="0"/>
+              <a:t/>
+            </a:r>
             <a:br>
               <a:rPr lang="en-GB" dirty="0"/>
             </a:br>
@@ -5128,6 +5174,10 @@
             </a:r>
           </a:p>
           <a:p>
+            <a:r>
+              <a:rPr lang="en-GB" dirty="0"/>
+              <a:t/>
+            </a:r>
             <a:br>
               <a:rPr lang="en-GB" dirty="0"/>
             </a:br>
